--- a/Daily Agendas/Day17.5_CoderDeCoder4.pptx
+++ b/Daily Agendas/Day17.5_CoderDeCoder4.pptx
@@ -3080,11 +3080,7 @@
             </a:r>
             <a:r>
               <a:rPr lang="en-US" sz="3600" smtClean="0"/>
-              <a:t>Jan </a:t>
-            </a:r>
-            <a:r>
-              <a:rPr lang="en-US" sz="3600" smtClean="0"/>
-              <a:t>11</a:t>
+              <a:t>Jan 11</a:t>
             </a:r>
             <a:endParaRPr lang="en-US" sz="2800" dirty="0"/>
           </a:p>
@@ -3138,11 +3134,7 @@
             <a:pPr lvl="1"/>
             <a:r>
               <a:rPr lang="en-CA" dirty="0" smtClean="0"/>
-              <a:t>Marks </a:t>
-            </a:r>
-            <a:r>
-              <a:rPr lang="en-CA" dirty="0" smtClean="0"/>
-              <a:t>Spreadsheet</a:t>
+              <a:t>Marks Spreadsheet</a:t>
             </a:r>
           </a:p>
           <a:p>
@@ -3167,8 +3159,13 @@
             </a:r>
             <a:r>
               <a:rPr lang="en-CA" dirty="0"/>
-              <a:t>by Tomorrow</a:t>
-            </a:r>
+              <a:t>by </a:t>
+            </a:r>
+            <a:r>
+              <a:rPr lang="en-CA" dirty="0" smtClean="0"/>
+              <a:t>Today</a:t>
+            </a:r>
+            <a:endParaRPr lang="en-CA" dirty="0"/>
           </a:p>
           <a:p>
             <a:pPr marL="457200" lvl="1" indent="0">
@@ -3193,11 +3190,7 @@
             <a:pPr lvl="1"/>
             <a:r>
               <a:rPr lang="en-CA" sz="2400" dirty="0" smtClean="0"/>
-              <a:t>See </a:t>
-            </a:r>
-            <a:r>
-              <a:rPr lang="en-CA" sz="2400" dirty="0" smtClean="0"/>
-              <a:t>January Schedule</a:t>
+              <a:t>See January Schedule</a:t>
             </a:r>
             <a:endParaRPr lang="en-US" sz="2400" dirty="0"/>
           </a:p>
